--- a/這位奇妙嬰孩是誰.pptx
+++ b/這位奇妙嬰孩是誰.pptx
@@ -19,9 +19,7 @@
     <p:sldId id="268" r:id="rId13"/>
     <p:sldId id="269" r:id="rId14"/>
     <p:sldId id="270" r:id="rId15"/>
-    <p:sldId id="271" r:id="rId16"/>
-    <p:sldId id="272" r:id="rId17"/>
-    <p:sldId id="273" r:id="rId18"/>
+    <p:sldId id="273" r:id="rId16"/>
   </p:sldIdLst>
   <p:sldSz cx="12192000" cy="6858000"/>
   <p:notesSz cx="6858000" cy="9144000"/>
@@ -120,6 +118,11 @@
       </a:defRPr>
     </a:lvl9pPr>
   </p:defaultTextStyle>
+  <p:extLst>
+    <p:ext uri="{EFAFB233-063F-42B5-8137-9DF3F51BA10A}">
+      <p15:sldGuideLst xmlns:p15="http://schemas.microsoft.com/office/powerpoint/2012/main"/>
+    </p:ext>
+  </p:extLst>
 </p:presentation>
 </file>
 
@@ -3157,24 +3160,7 @@
                 <a:latin typeface="微軟正黑體" pitchFamily="34" charset="-120"/>
                 <a:ea typeface="微軟正黑體" pitchFamily="34" charset="-120"/>
               </a:rPr>
-              <a:t>這位奇</a:t>
-            </a:r>
-            <a:r>
-              <a:rPr lang="zh-TW" altLang="en-US" sz="7200" b="1" i="1" dirty="0">
-                <a:solidFill>
-                  <a:srgbClr val="000066"/>
-                </a:solidFill>
-                <a:effectLst>
-                  <a:outerShdw blurRad="38100" dist="38100" dir="2700000" algn="tl">
-                    <a:srgbClr val="000000">
-                      <a:alpha val="43137"/>
-                    </a:srgbClr>
-                  </a:outerShdw>
-                </a:effectLst>
-                <a:latin typeface="微軟正黑體" pitchFamily="34" charset="-120"/>
-                <a:ea typeface="微軟正黑體" pitchFamily="34" charset="-120"/>
-              </a:rPr>
-              <a:t>妙嬰孩是誰</a:t>
+              <a:t>這位奇妙嬰孩是誰</a:t>
             </a:r>
           </a:p>
         </p:txBody>
@@ -3242,37 +3228,7 @@
                 <a:latin typeface="Microsoft JhengHei" panose="020B0604030504040204" pitchFamily="34" charset="-120"/>
                 <a:ea typeface="Microsoft JhengHei" panose="020B0604030504040204" pitchFamily="34" charset="-120"/>
               </a:rPr>
-              <a:t>哈利路</a:t>
-            </a:r>
-            <a:r>
-              <a:rPr lang="zh-TW" altLang="en-US" sz="6400" b="1" dirty="0">
-                <a:solidFill>
-                  <a:srgbClr val="000066"/>
-                </a:solidFill>
-                <a:latin typeface="Microsoft JhengHei" panose="020B0604030504040204" pitchFamily="34" charset="-120"/>
-                <a:ea typeface="Microsoft JhengHei" panose="020B0604030504040204" pitchFamily="34" charset="-120"/>
-              </a:rPr>
-              <a:t>亞  高</a:t>
-            </a:r>
-            <a:r>
-              <a:rPr lang="zh-TW" altLang="en-US" sz="6400" b="1" dirty="0">
-                <a:solidFill>
-                  <a:srgbClr val="000066"/>
-                </a:solidFill>
-                <a:latin typeface="Microsoft JhengHei" panose="020B0604030504040204" pitchFamily="34" charset="-120"/>
-                <a:ea typeface="Microsoft JhengHei" panose="020B0604030504040204" pitchFamily="34" charset="-120"/>
-              </a:rPr>
-              <a:t>高在上和散</a:t>
-            </a:r>
-            <a:r>
-              <a:rPr lang="zh-TW" altLang="en-US" sz="6400" b="1" dirty="0">
-                <a:solidFill>
-                  <a:srgbClr val="000066"/>
-                </a:solidFill>
-                <a:latin typeface="Microsoft JhengHei" panose="020B0604030504040204" pitchFamily="34" charset="-120"/>
-                <a:ea typeface="Microsoft JhengHei" panose="020B0604030504040204" pitchFamily="34" charset="-120"/>
-              </a:rPr>
-              <a:t>那</a:t>
+              <a:t>哈利路亞  高高在上和散那</a:t>
             </a:r>
             <a:endParaRPr lang="en-US" altLang="zh-TW" sz="6400" b="1" dirty="0">
               <a:solidFill>
@@ -3294,37 +3250,7 @@
                 <a:latin typeface="Microsoft JhengHei" panose="020B0604030504040204" pitchFamily="34" charset="-120"/>
                 <a:ea typeface="Microsoft JhengHei" panose="020B0604030504040204" pitchFamily="34" charset="-120"/>
               </a:rPr>
-              <a:t>哈</a:t>
-            </a:r>
-            <a:r>
-              <a:rPr lang="zh-TW" altLang="en-US" sz="6400" b="1" dirty="0">
-                <a:solidFill>
-                  <a:srgbClr val="000066"/>
-                </a:solidFill>
-                <a:latin typeface="Microsoft JhengHei" panose="020B0604030504040204" pitchFamily="34" charset="-120"/>
-                <a:ea typeface="Microsoft JhengHei" panose="020B0604030504040204" pitchFamily="34" charset="-120"/>
-              </a:rPr>
-              <a:t>利路</a:t>
-            </a:r>
-            <a:r>
-              <a:rPr lang="zh-TW" altLang="en-US" sz="6400" b="1" dirty="0">
-                <a:solidFill>
-                  <a:srgbClr val="000066"/>
-                </a:solidFill>
-                <a:latin typeface="Microsoft JhengHei" panose="020B0604030504040204" pitchFamily="34" charset="-120"/>
-                <a:ea typeface="Microsoft JhengHei" panose="020B0604030504040204" pitchFamily="34" charset="-120"/>
-              </a:rPr>
-              <a:t>亞  高</a:t>
-            </a:r>
-            <a:r>
-              <a:rPr lang="zh-TW" altLang="en-US" sz="6400" b="1" dirty="0">
-                <a:solidFill>
-                  <a:srgbClr val="000066"/>
-                </a:solidFill>
-                <a:latin typeface="Microsoft JhengHei" panose="020B0604030504040204" pitchFamily="34" charset="-120"/>
-                <a:ea typeface="Microsoft JhengHei" panose="020B0604030504040204" pitchFamily="34" charset="-120"/>
-              </a:rPr>
-              <a:t>高在上和散那</a:t>
+              <a:t>哈利路亞  高高在上和散那</a:t>
             </a:r>
             <a:endParaRPr lang="en-US" altLang="zh-TW" sz="6400" b="1" dirty="0">
               <a:solidFill>
@@ -3399,17 +3325,7 @@
                 <a:latin typeface="Microsoft JhengHei" panose="020B0604030504040204" pitchFamily="34" charset="-120"/>
                 <a:ea typeface="Microsoft JhengHei" panose="020B0604030504040204" pitchFamily="34" charset="-120"/>
               </a:rPr>
-              <a:t>獻上黃</a:t>
-            </a:r>
-            <a:r>
-              <a:rPr lang="zh-TW" altLang="en-US" sz="6400" b="1" dirty="0">
-                <a:solidFill>
-                  <a:srgbClr val="000066"/>
-                </a:solidFill>
-                <a:latin typeface="Microsoft JhengHei" panose="020B0604030504040204" pitchFamily="34" charset="-120"/>
-                <a:ea typeface="Microsoft JhengHei" panose="020B0604030504040204" pitchFamily="34" charset="-120"/>
-              </a:rPr>
-              <a:t>金  沒藥  乳香</a:t>
+              <a:t>獻上黃金  沒藥  乳香</a:t>
             </a:r>
             <a:endParaRPr lang="en-US" altLang="zh-TW" sz="6400" b="1" dirty="0">
               <a:solidFill>
@@ -3431,17 +3347,7 @@
                 <a:latin typeface="Microsoft JhengHei" panose="020B0604030504040204" pitchFamily="34" charset="-120"/>
                 <a:ea typeface="Microsoft JhengHei" panose="020B0604030504040204" pitchFamily="34" charset="-120"/>
               </a:rPr>
-              <a:t>不</a:t>
-            </a:r>
-            <a:r>
-              <a:rPr lang="zh-TW" altLang="en-US" sz="6400" b="1" dirty="0">
-                <a:solidFill>
-                  <a:srgbClr val="000066"/>
-                </a:solidFill>
-                <a:latin typeface="Microsoft JhengHei" panose="020B0604030504040204" pitchFamily="34" charset="-120"/>
-                <a:ea typeface="Microsoft JhengHei" panose="020B0604030504040204" pitchFamily="34" charset="-120"/>
-              </a:rPr>
-              <a:t>論尊卑齊仰望</a:t>
+              <a:t>不論尊卑齊仰望</a:t>
             </a:r>
             <a:endParaRPr lang="en-US" altLang="zh-TW" sz="6400" b="1" dirty="0">
               <a:solidFill>
@@ -3516,37 +3422,7 @@
                 <a:latin typeface="Microsoft JhengHei" panose="020B0604030504040204" pitchFamily="34" charset="-120"/>
                 <a:ea typeface="Microsoft JhengHei" panose="020B0604030504040204" pitchFamily="34" charset="-120"/>
               </a:rPr>
-              <a:t>道成肉</a:t>
-            </a:r>
-            <a:r>
-              <a:rPr lang="zh-TW" altLang="en-US" sz="6400" b="1" dirty="0">
-                <a:solidFill>
-                  <a:srgbClr val="000066"/>
-                </a:solidFill>
-                <a:latin typeface="Microsoft JhengHei" panose="020B0604030504040204" pitchFamily="34" charset="-120"/>
-                <a:ea typeface="Microsoft JhengHei" panose="020B0604030504040204" pitchFamily="34" charset="-120"/>
-              </a:rPr>
-              <a:t>身  帶</a:t>
-            </a:r>
-            <a:r>
-              <a:rPr lang="zh-TW" altLang="en-US" sz="6400" b="1" dirty="0">
-                <a:solidFill>
-                  <a:srgbClr val="000066"/>
-                </a:solidFill>
-                <a:latin typeface="Microsoft JhengHei" panose="020B0604030504040204" pitchFamily="34" charset="-120"/>
-                <a:ea typeface="Microsoft JhengHei" panose="020B0604030504040204" pitchFamily="34" charset="-120"/>
-              </a:rPr>
-              <a:t>來救</a:t>
-            </a:r>
-            <a:r>
-              <a:rPr lang="zh-TW" altLang="en-US" sz="6400" b="1" dirty="0">
-                <a:solidFill>
-                  <a:srgbClr val="000066"/>
-                </a:solidFill>
-                <a:latin typeface="Microsoft JhengHei" panose="020B0604030504040204" pitchFamily="34" charset="-120"/>
-                <a:ea typeface="Microsoft JhengHei" panose="020B0604030504040204" pitchFamily="34" charset="-120"/>
-              </a:rPr>
-              <a:t>恩</a:t>
+              <a:t>道成肉身  帶來救恩</a:t>
             </a:r>
             <a:endParaRPr lang="en-US" altLang="zh-TW" sz="6400" b="1" dirty="0">
               <a:solidFill>
@@ -3568,17 +3444,7 @@
                 <a:latin typeface="Microsoft JhengHei" panose="020B0604030504040204" pitchFamily="34" charset="-120"/>
                 <a:ea typeface="Microsoft JhengHei" panose="020B0604030504040204" pitchFamily="34" charset="-120"/>
               </a:rPr>
-              <a:t>萬</a:t>
-            </a:r>
-            <a:r>
-              <a:rPr lang="zh-TW" altLang="en-US" sz="6400" b="1" dirty="0">
-                <a:solidFill>
-                  <a:srgbClr val="000066"/>
-                </a:solidFill>
-                <a:latin typeface="Microsoft JhengHei" panose="020B0604030504040204" pitchFamily="34" charset="-120"/>
-                <a:ea typeface="Microsoft JhengHei" panose="020B0604030504040204" pitchFamily="34" charset="-120"/>
-              </a:rPr>
-              <a:t>心當尊祂為王</a:t>
+              <a:t>萬心當尊祂為王</a:t>
             </a:r>
             <a:endParaRPr lang="en-US" altLang="zh-TW" sz="6400" b="1" dirty="0">
               <a:solidFill>
@@ -3750,27 +3616,7 @@
                 <a:latin typeface="Microsoft JhengHei" panose="020B0604030504040204" pitchFamily="34" charset="-120"/>
                 <a:ea typeface="Microsoft JhengHei" panose="020B0604030504040204" pitchFamily="34" charset="-120"/>
               </a:rPr>
-              <a:t>來   來   屈</a:t>
-            </a:r>
-            <a:r>
-              <a:rPr lang="zh-TW" altLang="en-US" sz="6400" b="1" dirty="0">
-                <a:solidFill>
-                  <a:srgbClr val="000066"/>
-                </a:solidFill>
-                <a:latin typeface="Microsoft JhengHei" panose="020B0604030504040204" pitchFamily="34" charset="-120"/>
-                <a:ea typeface="Microsoft JhengHei" panose="020B0604030504040204" pitchFamily="34" charset="-120"/>
-              </a:rPr>
-              <a:t>膝敬</a:t>
-            </a:r>
-            <a:r>
-              <a:rPr lang="zh-TW" altLang="en-US" sz="6400" b="1" dirty="0">
-                <a:solidFill>
-                  <a:srgbClr val="000066"/>
-                </a:solidFill>
-                <a:latin typeface="Microsoft JhengHei" panose="020B0604030504040204" pitchFamily="34" charset="-120"/>
-                <a:ea typeface="Microsoft JhengHei" panose="020B0604030504040204" pitchFamily="34" charset="-120"/>
-              </a:rPr>
-              <a:t>拜</a:t>
+              <a:t>來   來   屈膝敬拜</a:t>
             </a:r>
             <a:endParaRPr lang="en-US" altLang="zh-TW" sz="6400" b="1" dirty="0">
               <a:solidFill>
@@ -3792,17 +3638,7 @@
                 <a:latin typeface="Microsoft JhengHei" panose="020B0604030504040204" pitchFamily="34" charset="-120"/>
                 <a:ea typeface="Microsoft JhengHei" panose="020B0604030504040204" pitchFamily="34" charset="-120"/>
               </a:rPr>
-              <a:t>至</a:t>
-            </a:r>
-            <a:r>
-              <a:rPr lang="zh-TW" altLang="en-US" sz="6400" b="1" dirty="0">
-                <a:solidFill>
-                  <a:srgbClr val="000066"/>
-                </a:solidFill>
-                <a:latin typeface="Microsoft JhengHei" panose="020B0604030504040204" pitchFamily="34" charset="-120"/>
-                <a:ea typeface="Microsoft JhengHei" panose="020B0604030504040204" pitchFamily="34" charset="-120"/>
-              </a:rPr>
-              <a:t>聖嬰孩新生王</a:t>
+              <a:t>至聖嬰孩新生王</a:t>
             </a:r>
             <a:endParaRPr lang="en-US" altLang="zh-TW" sz="6400" b="1" dirty="0">
               <a:solidFill>
@@ -3877,7 +3713,7 @@
                 <a:latin typeface="Microsoft JhengHei" panose="020B0604030504040204" pitchFamily="34" charset="-120"/>
                 <a:ea typeface="Microsoft JhengHei" panose="020B0604030504040204" pitchFamily="34" charset="-120"/>
               </a:rPr>
-              <a:t>看   看   基督我王</a:t>
+              <a:t>哈利路亞  高高在上和散那</a:t>
             </a:r>
             <a:endParaRPr lang="en-US" altLang="zh-TW" sz="6400" b="1" dirty="0">
               <a:solidFill>
@@ -3899,291 +3735,7 @@
                 <a:latin typeface="Microsoft JhengHei" panose="020B0604030504040204" pitchFamily="34" charset="-120"/>
                 <a:ea typeface="Microsoft JhengHei" panose="020B0604030504040204" pitchFamily="34" charset="-120"/>
               </a:rPr>
-              <a:t>牧人讚美  天使頌揚</a:t>
-            </a:r>
-            <a:endParaRPr lang="en-US" altLang="zh-TW" sz="6400" b="1" dirty="0">
-              <a:solidFill>
-                <a:srgbClr val="000066"/>
-              </a:solidFill>
-              <a:latin typeface="Microsoft JhengHei" panose="020B0604030504040204" pitchFamily="34" charset="-120"/>
-              <a:ea typeface="Microsoft JhengHei" panose="020B0604030504040204" pitchFamily="34" charset="-120"/>
-            </a:endParaRPr>
-          </a:p>
-        </p:txBody>
-      </p:sp>
-    </p:spTree>
-    <p:extLst>
-      <p:ext uri="{BB962C8B-B14F-4D97-AF65-F5344CB8AC3E}">
-        <p14:creationId xmlns:p14="http://schemas.microsoft.com/office/powerpoint/2010/main" val="1702082316"/>
-      </p:ext>
-    </p:extLst>
-  </p:cSld>
-  <p:clrMapOvr>
-    <a:masterClrMapping/>
-  </p:clrMapOvr>
-</p:sld>
-</file>
-
-<file path=ppt/slides/slide16.xml><?xml version="1.0" encoding="utf-8"?>
-<p:sld xmlns:a="http://schemas.openxmlformats.org/drawingml/2006/main" xmlns:r="http://schemas.openxmlformats.org/officeDocument/2006/relationships" xmlns:p="http://schemas.openxmlformats.org/presentationml/2006/main">
-  <p:cSld>
-    <p:spTree>
-      <p:nvGrpSpPr>
-        <p:cNvPr id="1" name=""/>
-        <p:cNvGrpSpPr/>
-        <p:nvPr/>
-      </p:nvGrpSpPr>
-      <p:grpSpPr>
-        <a:xfrm>
-          <a:off x="0" y="0"/>
-          <a:ext cx="0" cy="0"/>
-          <a:chOff x="0" y="0"/>
-          <a:chExt cx="0" cy="0"/>
-        </a:xfrm>
-      </p:grpSpPr>
-      <p:sp>
-        <p:nvSpPr>
-          <p:cNvPr id="5" name="內容版面配置區 4"/>
-          <p:cNvSpPr>
-            <a:spLocks noGrp="1"/>
-          </p:cNvSpPr>
-          <p:nvPr>
-            <p:ph idx="1"/>
-          </p:nvPr>
-        </p:nvSpPr>
-        <p:spPr>
-          <a:xfrm>
-            <a:off x="0" y="2084851"/>
-            <a:ext cx="12192000" cy="2404863"/>
-          </a:xfrm>
-        </p:spPr>
-        <p:txBody>
-          <a:bodyPr anchor="ctr">
-            <a:normAutofit/>
-          </a:bodyPr>
-          <a:lstStyle/>
-          <a:p>
-            <a:pPr marL="0" indent="0" algn="ctr">
-              <a:buNone/>
-            </a:pPr>
-            <a:r>
-              <a:rPr lang="zh-TW" altLang="en-US" sz="6400" b="1" dirty="0">
-                <a:solidFill>
-                  <a:srgbClr val="000066"/>
-                </a:solidFill>
-                <a:latin typeface="Microsoft JhengHei" panose="020B0604030504040204" pitchFamily="34" charset="-120"/>
-                <a:ea typeface="Microsoft JhengHei" panose="020B0604030504040204" pitchFamily="34" charset="-120"/>
-              </a:rPr>
-              <a:t>來   來   屈</a:t>
-            </a:r>
-            <a:r>
-              <a:rPr lang="zh-TW" altLang="en-US" sz="6400" b="1" dirty="0">
-                <a:solidFill>
-                  <a:srgbClr val="000066"/>
-                </a:solidFill>
-                <a:latin typeface="Microsoft JhengHei" panose="020B0604030504040204" pitchFamily="34" charset="-120"/>
-                <a:ea typeface="Microsoft JhengHei" panose="020B0604030504040204" pitchFamily="34" charset="-120"/>
-              </a:rPr>
-              <a:t>膝敬</a:t>
-            </a:r>
-            <a:r>
-              <a:rPr lang="zh-TW" altLang="en-US" sz="6400" b="1" dirty="0">
-                <a:solidFill>
-                  <a:srgbClr val="000066"/>
-                </a:solidFill>
-                <a:latin typeface="Microsoft JhengHei" panose="020B0604030504040204" pitchFamily="34" charset="-120"/>
-                <a:ea typeface="Microsoft JhengHei" panose="020B0604030504040204" pitchFamily="34" charset="-120"/>
-              </a:rPr>
-              <a:t>拜</a:t>
-            </a:r>
-            <a:endParaRPr lang="en-US" altLang="zh-TW" sz="6400" b="1" dirty="0">
-              <a:solidFill>
-                <a:srgbClr val="000066"/>
-              </a:solidFill>
-              <a:latin typeface="Microsoft JhengHei" panose="020B0604030504040204" pitchFamily="34" charset="-120"/>
-              <a:ea typeface="Microsoft JhengHei" panose="020B0604030504040204" pitchFamily="34" charset="-120"/>
-            </a:endParaRPr>
-          </a:p>
-          <a:p>
-            <a:pPr marL="0" indent="0" algn="ctr">
-              <a:buNone/>
-            </a:pPr>
-            <a:r>
-              <a:rPr lang="zh-TW" altLang="en-US" sz="6400" b="1" dirty="0">
-                <a:solidFill>
-                  <a:srgbClr val="000066"/>
-                </a:solidFill>
-                <a:latin typeface="Microsoft JhengHei" panose="020B0604030504040204" pitchFamily="34" charset="-120"/>
-                <a:ea typeface="Microsoft JhengHei" panose="020B0604030504040204" pitchFamily="34" charset="-120"/>
-              </a:rPr>
-              <a:t>至</a:t>
-            </a:r>
-            <a:r>
-              <a:rPr lang="zh-TW" altLang="en-US" sz="6400" b="1" dirty="0">
-                <a:solidFill>
-                  <a:srgbClr val="000066"/>
-                </a:solidFill>
-                <a:latin typeface="Microsoft JhengHei" panose="020B0604030504040204" pitchFamily="34" charset="-120"/>
-                <a:ea typeface="Microsoft JhengHei" panose="020B0604030504040204" pitchFamily="34" charset="-120"/>
-              </a:rPr>
-              <a:t>聖嬰孩新生王</a:t>
-            </a:r>
-            <a:endParaRPr lang="en-US" altLang="zh-TW" sz="6400" b="1" dirty="0">
-              <a:solidFill>
-                <a:srgbClr val="000066"/>
-              </a:solidFill>
-              <a:latin typeface="Microsoft JhengHei" panose="020B0604030504040204" pitchFamily="34" charset="-120"/>
-              <a:ea typeface="Microsoft JhengHei" panose="020B0604030504040204" pitchFamily="34" charset="-120"/>
-            </a:endParaRPr>
-          </a:p>
-        </p:txBody>
-      </p:sp>
-    </p:spTree>
-    <p:extLst>
-      <p:ext uri="{BB962C8B-B14F-4D97-AF65-F5344CB8AC3E}">
-        <p14:creationId xmlns:p14="http://schemas.microsoft.com/office/powerpoint/2010/main" val="2209668430"/>
-      </p:ext>
-    </p:extLst>
-  </p:cSld>
-  <p:clrMapOvr>
-    <a:masterClrMapping/>
-  </p:clrMapOvr>
-</p:sld>
-</file>
-
-<file path=ppt/slides/slide17.xml><?xml version="1.0" encoding="utf-8"?>
-<p:sld xmlns:a="http://schemas.openxmlformats.org/drawingml/2006/main" xmlns:r="http://schemas.openxmlformats.org/officeDocument/2006/relationships" xmlns:p="http://schemas.openxmlformats.org/presentationml/2006/main">
-  <p:cSld>
-    <p:spTree>
-      <p:nvGrpSpPr>
-        <p:cNvPr id="1" name=""/>
-        <p:cNvGrpSpPr/>
-        <p:nvPr/>
-      </p:nvGrpSpPr>
-      <p:grpSpPr>
-        <a:xfrm>
-          <a:off x="0" y="0"/>
-          <a:ext cx="0" cy="0"/>
-          <a:chOff x="0" y="0"/>
-          <a:chExt cx="0" cy="0"/>
-        </a:xfrm>
-      </p:grpSpPr>
-      <p:sp>
-        <p:nvSpPr>
-          <p:cNvPr id="5" name="內容版面配置區 4"/>
-          <p:cNvSpPr>
-            <a:spLocks noGrp="1"/>
-          </p:cNvSpPr>
-          <p:nvPr>
-            <p:ph idx="1"/>
-          </p:nvPr>
-        </p:nvSpPr>
-        <p:spPr>
-          <a:xfrm>
-            <a:off x="0" y="2084851"/>
-            <a:ext cx="12192000" cy="2404863"/>
-          </a:xfrm>
-        </p:spPr>
-        <p:txBody>
-          <a:bodyPr anchor="ctr">
-            <a:normAutofit/>
-          </a:bodyPr>
-          <a:lstStyle/>
-          <a:p>
-            <a:pPr marL="0" indent="0" algn="ctr">
-              <a:buNone/>
-            </a:pPr>
-            <a:r>
-              <a:rPr lang="zh-TW" altLang="en-US" sz="6400" b="1" dirty="0">
-                <a:solidFill>
-                  <a:srgbClr val="000066"/>
-                </a:solidFill>
-                <a:latin typeface="Microsoft JhengHei" panose="020B0604030504040204" pitchFamily="34" charset="-120"/>
-                <a:ea typeface="Microsoft JhengHei" panose="020B0604030504040204" pitchFamily="34" charset="-120"/>
-              </a:rPr>
-              <a:t>哈利路</a:t>
-            </a:r>
-            <a:r>
-              <a:rPr lang="zh-TW" altLang="en-US" sz="6400" b="1" dirty="0">
-                <a:solidFill>
-                  <a:srgbClr val="000066"/>
-                </a:solidFill>
-                <a:latin typeface="Microsoft JhengHei" panose="020B0604030504040204" pitchFamily="34" charset="-120"/>
-                <a:ea typeface="Microsoft JhengHei" panose="020B0604030504040204" pitchFamily="34" charset="-120"/>
-              </a:rPr>
-              <a:t>亞  高</a:t>
-            </a:r>
-            <a:r>
-              <a:rPr lang="zh-TW" altLang="en-US" sz="6400" b="1" dirty="0">
-                <a:solidFill>
-                  <a:srgbClr val="000066"/>
-                </a:solidFill>
-                <a:latin typeface="Microsoft JhengHei" panose="020B0604030504040204" pitchFamily="34" charset="-120"/>
-                <a:ea typeface="Microsoft JhengHei" panose="020B0604030504040204" pitchFamily="34" charset="-120"/>
-              </a:rPr>
-              <a:t>高在上和散</a:t>
-            </a:r>
-            <a:r>
-              <a:rPr lang="zh-TW" altLang="en-US" sz="6400" b="1" dirty="0">
-                <a:solidFill>
-                  <a:srgbClr val="000066"/>
-                </a:solidFill>
-                <a:latin typeface="Microsoft JhengHei" panose="020B0604030504040204" pitchFamily="34" charset="-120"/>
-                <a:ea typeface="Microsoft JhengHei" panose="020B0604030504040204" pitchFamily="34" charset="-120"/>
-              </a:rPr>
-              <a:t>那</a:t>
-            </a:r>
-            <a:endParaRPr lang="en-US" altLang="zh-TW" sz="6400" b="1" dirty="0">
-              <a:solidFill>
-                <a:srgbClr val="000066"/>
-              </a:solidFill>
-              <a:latin typeface="Microsoft JhengHei" panose="020B0604030504040204" pitchFamily="34" charset="-120"/>
-              <a:ea typeface="Microsoft JhengHei" panose="020B0604030504040204" pitchFamily="34" charset="-120"/>
-            </a:endParaRPr>
-          </a:p>
-          <a:p>
-            <a:pPr marL="0" indent="0" algn="ctr">
-              <a:buNone/>
-            </a:pPr>
-            <a:r>
-              <a:rPr lang="zh-TW" altLang="en-US" sz="6400" b="1" dirty="0">
-                <a:solidFill>
-                  <a:srgbClr val="000066"/>
-                </a:solidFill>
-                <a:latin typeface="Microsoft JhengHei" panose="020B0604030504040204" pitchFamily="34" charset="-120"/>
-                <a:ea typeface="Microsoft JhengHei" panose="020B0604030504040204" pitchFamily="34" charset="-120"/>
-              </a:rPr>
-              <a:t>哈</a:t>
-            </a:r>
-            <a:r>
-              <a:rPr lang="zh-TW" altLang="en-US" sz="6400" b="1" dirty="0">
-                <a:solidFill>
-                  <a:srgbClr val="000066"/>
-                </a:solidFill>
-                <a:latin typeface="Microsoft JhengHei" panose="020B0604030504040204" pitchFamily="34" charset="-120"/>
-                <a:ea typeface="Microsoft JhengHei" panose="020B0604030504040204" pitchFamily="34" charset="-120"/>
-              </a:rPr>
-              <a:t>利路</a:t>
-            </a:r>
-            <a:r>
-              <a:rPr lang="zh-TW" altLang="en-US" sz="6400" b="1" dirty="0">
-                <a:solidFill>
-                  <a:srgbClr val="000066"/>
-                </a:solidFill>
-                <a:latin typeface="Microsoft JhengHei" panose="020B0604030504040204" pitchFamily="34" charset="-120"/>
-                <a:ea typeface="Microsoft JhengHei" panose="020B0604030504040204" pitchFamily="34" charset="-120"/>
-              </a:rPr>
-              <a:t>亞  高</a:t>
-            </a:r>
-            <a:r>
-              <a:rPr lang="zh-TW" altLang="en-US" sz="6400" b="1" dirty="0">
-                <a:solidFill>
-                  <a:srgbClr val="000066"/>
-                </a:solidFill>
-                <a:latin typeface="Microsoft JhengHei" panose="020B0604030504040204" pitchFamily="34" charset="-120"/>
-                <a:ea typeface="Microsoft JhengHei" panose="020B0604030504040204" pitchFamily="34" charset="-120"/>
-              </a:rPr>
-              <a:t>高在上和散那</a:t>
+              <a:t>哈利路亞  高高在上和散那</a:t>
             </a:r>
             <a:endParaRPr lang="en-US" altLang="zh-TW" sz="6400" b="1" dirty="0">
               <a:solidFill>
@@ -4297,27 +3849,7 @@
                 <a:latin typeface="Microsoft JhengHei" panose="020B0604030504040204" pitchFamily="34" charset="-120"/>
                 <a:ea typeface="Microsoft JhengHei" panose="020B0604030504040204" pitchFamily="34" charset="-120"/>
               </a:rPr>
-              <a:t>這</a:t>
-            </a:r>
-            <a:r>
-              <a:rPr lang="zh-TW" altLang="en-US" sz="6400" b="1" dirty="0">
-                <a:solidFill>
-                  <a:srgbClr val="000066"/>
-                </a:solidFill>
-                <a:latin typeface="Microsoft JhengHei" panose="020B0604030504040204" pitchFamily="34" charset="-120"/>
-                <a:ea typeface="Microsoft JhengHei" panose="020B0604030504040204" pitchFamily="34" charset="-120"/>
-              </a:rPr>
-              <a:t>位奇妙嬰孩是</a:t>
-            </a:r>
-            <a:r>
-              <a:rPr lang="zh-TW" altLang="en-US" sz="6400" b="1" dirty="0">
-                <a:solidFill>
-                  <a:srgbClr val="000066"/>
-                </a:solidFill>
-                <a:latin typeface="Microsoft JhengHei" panose="020B0604030504040204" pitchFamily="34" charset="-120"/>
-                <a:ea typeface="Microsoft JhengHei" panose="020B0604030504040204" pitchFamily="34" charset="-120"/>
-              </a:rPr>
-              <a:t>誰</a:t>
+              <a:t>這位奇妙嬰孩是誰</a:t>
             </a:r>
             <a:endParaRPr lang="en-US" altLang="zh-TW" sz="6400" b="1" dirty="0">
               <a:solidFill>
@@ -4339,17 +3871,7 @@
                 <a:latin typeface="Microsoft JhengHei" panose="020B0604030504040204" pitchFamily="34" charset="-120"/>
                 <a:ea typeface="Microsoft JhengHei" panose="020B0604030504040204" pitchFamily="34" charset="-120"/>
               </a:rPr>
-              <a:t>馬</a:t>
-            </a:r>
-            <a:r>
-              <a:rPr lang="zh-TW" altLang="en-US" sz="6400" b="1" dirty="0">
-                <a:solidFill>
-                  <a:srgbClr val="000066"/>
-                </a:solidFill>
-                <a:latin typeface="Microsoft JhengHei" panose="020B0604030504040204" pitchFamily="34" charset="-120"/>
-                <a:ea typeface="Microsoft JhengHei" panose="020B0604030504040204" pitchFamily="34" charset="-120"/>
-              </a:rPr>
-              <a:t>利亞懷中安睡</a:t>
+              <a:t>馬利亞懷中安睡</a:t>
             </a:r>
             <a:endParaRPr lang="en-US" altLang="zh-TW" sz="6400" b="1" dirty="0">
               <a:solidFill>
@@ -4424,17 +3946,7 @@
                 <a:latin typeface="Microsoft JhengHei" panose="020B0604030504040204" pitchFamily="34" charset="-120"/>
                 <a:ea typeface="Microsoft JhengHei" panose="020B0604030504040204" pitchFamily="34" charset="-120"/>
               </a:rPr>
-              <a:t>夜半天使歌聲甜</a:t>
-            </a:r>
-            <a:r>
-              <a:rPr lang="zh-TW" altLang="en-US" sz="6400" b="1" dirty="0">
-                <a:solidFill>
-                  <a:srgbClr val="000066"/>
-                </a:solidFill>
-                <a:latin typeface="Microsoft JhengHei" panose="020B0604030504040204" pitchFamily="34" charset="-120"/>
-                <a:ea typeface="Microsoft JhengHei" panose="020B0604030504040204" pitchFamily="34" charset="-120"/>
-              </a:rPr>
-              <a:t>美</a:t>
+              <a:t>夜半天使歌聲甜美</a:t>
             </a:r>
             <a:endParaRPr lang="en-US" altLang="zh-TW" sz="6400" b="1" dirty="0">
               <a:solidFill>
@@ -4456,17 +3968,7 @@
                 <a:latin typeface="Microsoft JhengHei" panose="020B0604030504040204" pitchFamily="34" charset="-120"/>
                 <a:ea typeface="Microsoft JhengHei" panose="020B0604030504040204" pitchFamily="34" charset="-120"/>
               </a:rPr>
-              <a:t>歡</a:t>
-            </a:r>
-            <a:r>
-              <a:rPr lang="zh-TW" altLang="en-US" sz="6400" b="1" dirty="0">
-                <a:solidFill>
-                  <a:srgbClr val="000066"/>
-                </a:solidFill>
-                <a:latin typeface="Microsoft JhengHei" panose="020B0604030504040204" pitchFamily="34" charset="-120"/>
-                <a:ea typeface="Microsoft JhengHei" panose="020B0604030504040204" pitchFamily="34" charset="-120"/>
-              </a:rPr>
-              <a:t>迎祂降臨人間</a:t>
+              <a:t>歡迎祂降臨人間</a:t>
             </a:r>
             <a:endParaRPr lang="en-US" altLang="zh-TW" sz="6400" b="1" dirty="0">
               <a:solidFill>
@@ -4541,27 +4043,7 @@
                 <a:latin typeface="Microsoft JhengHei" panose="020B0604030504040204" pitchFamily="34" charset="-120"/>
                 <a:ea typeface="Microsoft JhengHei" panose="020B0604030504040204" pitchFamily="34" charset="-120"/>
               </a:rPr>
-              <a:t>看   看   基</a:t>
-            </a:r>
-            <a:r>
-              <a:rPr lang="zh-TW" altLang="en-US" sz="6400" b="1" dirty="0">
-                <a:solidFill>
-                  <a:srgbClr val="000066"/>
-                </a:solidFill>
-                <a:latin typeface="Microsoft JhengHei" panose="020B0604030504040204" pitchFamily="34" charset="-120"/>
-                <a:ea typeface="Microsoft JhengHei" panose="020B0604030504040204" pitchFamily="34" charset="-120"/>
-              </a:rPr>
-              <a:t>督我</a:t>
-            </a:r>
-            <a:r>
-              <a:rPr lang="zh-TW" altLang="en-US" sz="6400" b="1" dirty="0">
-                <a:solidFill>
-                  <a:srgbClr val="000066"/>
-                </a:solidFill>
-                <a:latin typeface="Microsoft JhengHei" panose="020B0604030504040204" pitchFamily="34" charset="-120"/>
-                <a:ea typeface="Microsoft JhengHei" panose="020B0604030504040204" pitchFamily="34" charset="-120"/>
-              </a:rPr>
-              <a:t>王</a:t>
+              <a:t>看   看   基督我王</a:t>
             </a:r>
             <a:endParaRPr lang="en-US" altLang="zh-TW" sz="6400" b="1" dirty="0">
               <a:solidFill>
@@ -4583,37 +4065,7 @@
                 <a:latin typeface="Microsoft JhengHei" panose="020B0604030504040204" pitchFamily="34" charset="-120"/>
                 <a:ea typeface="Microsoft JhengHei" panose="020B0604030504040204" pitchFamily="34" charset="-120"/>
               </a:rPr>
-              <a:t>牧</a:t>
-            </a:r>
-            <a:r>
-              <a:rPr lang="zh-TW" altLang="en-US" sz="6400" b="1" dirty="0">
-                <a:solidFill>
-                  <a:srgbClr val="000066"/>
-                </a:solidFill>
-                <a:latin typeface="Microsoft JhengHei" panose="020B0604030504040204" pitchFamily="34" charset="-120"/>
-                <a:ea typeface="Microsoft JhengHei" panose="020B0604030504040204" pitchFamily="34" charset="-120"/>
-              </a:rPr>
-              <a:t>人讚</a:t>
-            </a:r>
-            <a:r>
-              <a:rPr lang="zh-TW" altLang="en-US" sz="6400" b="1" dirty="0">
-                <a:solidFill>
-                  <a:srgbClr val="000066"/>
-                </a:solidFill>
-                <a:latin typeface="Microsoft JhengHei" panose="020B0604030504040204" pitchFamily="34" charset="-120"/>
-                <a:ea typeface="Microsoft JhengHei" panose="020B0604030504040204" pitchFamily="34" charset="-120"/>
-              </a:rPr>
-              <a:t>美  天</a:t>
-            </a:r>
-            <a:r>
-              <a:rPr lang="zh-TW" altLang="en-US" sz="6400" b="1" dirty="0">
-                <a:solidFill>
-                  <a:srgbClr val="000066"/>
-                </a:solidFill>
-                <a:latin typeface="Microsoft JhengHei" panose="020B0604030504040204" pitchFamily="34" charset="-120"/>
-                <a:ea typeface="Microsoft JhengHei" panose="020B0604030504040204" pitchFamily="34" charset="-120"/>
-              </a:rPr>
-              <a:t>使頌揚</a:t>
+              <a:t>牧人讚美  天使頌揚</a:t>
             </a:r>
             <a:endParaRPr lang="en-US" altLang="zh-TW" sz="6400" b="1" dirty="0">
               <a:solidFill>
@@ -4710,17 +4162,7 @@
                 <a:latin typeface="Microsoft JhengHei" panose="020B0604030504040204" pitchFamily="34" charset="-120"/>
                 <a:ea typeface="Microsoft JhengHei" panose="020B0604030504040204" pitchFamily="34" charset="-120"/>
               </a:rPr>
-              <a:t>至</a:t>
-            </a:r>
-            <a:r>
-              <a:rPr lang="zh-TW" altLang="en-US" sz="6400" b="1" dirty="0">
-                <a:solidFill>
-                  <a:srgbClr val="000066"/>
-                </a:solidFill>
-                <a:latin typeface="Microsoft JhengHei" panose="020B0604030504040204" pitchFamily="34" charset="-120"/>
-                <a:ea typeface="Microsoft JhengHei" panose="020B0604030504040204" pitchFamily="34" charset="-120"/>
-              </a:rPr>
-              <a:t>聖嬰孩新生王</a:t>
+              <a:t>至聖嬰孩新生王</a:t>
             </a:r>
             <a:endParaRPr lang="en-US" altLang="zh-TW" sz="6400" b="1" dirty="0">
               <a:solidFill>
@@ -4795,27 +4237,7 @@
                 <a:latin typeface="Microsoft JhengHei" panose="020B0604030504040204" pitchFamily="34" charset="-120"/>
                 <a:ea typeface="Microsoft JhengHei" panose="020B0604030504040204" pitchFamily="34" charset="-120"/>
               </a:rPr>
-              <a:t>這</a:t>
-            </a:r>
-            <a:r>
-              <a:rPr lang="zh-TW" altLang="en-US" sz="6400" b="1" dirty="0">
-                <a:solidFill>
-                  <a:srgbClr val="000066"/>
-                </a:solidFill>
-                <a:latin typeface="Microsoft JhengHei" panose="020B0604030504040204" pitchFamily="34" charset="-120"/>
-                <a:ea typeface="Microsoft JhengHei" panose="020B0604030504040204" pitchFamily="34" charset="-120"/>
-              </a:rPr>
-              <a:t>位奇妙嬰孩是</a:t>
-            </a:r>
-            <a:r>
-              <a:rPr lang="zh-TW" altLang="en-US" sz="6400" b="1" dirty="0">
-                <a:solidFill>
-                  <a:srgbClr val="000066"/>
-                </a:solidFill>
-                <a:latin typeface="Microsoft JhengHei" panose="020B0604030504040204" pitchFamily="34" charset="-120"/>
-                <a:ea typeface="Microsoft JhengHei" panose="020B0604030504040204" pitchFamily="34" charset="-120"/>
-              </a:rPr>
-              <a:t>誰</a:t>
+              <a:t>這位奇妙嬰孩是誰</a:t>
             </a:r>
             <a:endParaRPr lang="en-US" altLang="zh-TW" sz="6400" b="1" dirty="0">
               <a:solidFill>
@@ -4837,17 +4259,7 @@
                 <a:latin typeface="Microsoft JhengHei" panose="020B0604030504040204" pitchFamily="34" charset="-120"/>
                 <a:ea typeface="Microsoft JhengHei" panose="020B0604030504040204" pitchFamily="34" charset="-120"/>
               </a:rPr>
-              <a:t>馬</a:t>
-            </a:r>
-            <a:r>
-              <a:rPr lang="zh-TW" altLang="en-US" sz="6400" b="1" dirty="0">
-                <a:solidFill>
-                  <a:srgbClr val="000066"/>
-                </a:solidFill>
-                <a:latin typeface="Microsoft JhengHei" panose="020B0604030504040204" pitchFamily="34" charset="-120"/>
-                <a:ea typeface="Microsoft JhengHei" panose="020B0604030504040204" pitchFamily="34" charset="-120"/>
-              </a:rPr>
-              <a:t>利亞懷中安睡</a:t>
+              <a:t>馬利亞懷中安睡</a:t>
             </a:r>
             <a:endParaRPr lang="en-US" altLang="zh-TW" sz="6400" b="1" dirty="0">
               <a:solidFill>
@@ -4922,37 +4334,7 @@
                 <a:latin typeface="Microsoft JhengHei" panose="020B0604030504040204" pitchFamily="34" charset="-120"/>
                 <a:ea typeface="Microsoft JhengHei" panose="020B0604030504040204" pitchFamily="34" charset="-120"/>
               </a:rPr>
-              <a:t>看似貧</a:t>
-            </a:r>
-            <a:r>
-              <a:rPr lang="zh-TW" altLang="en-US" sz="6400" b="1" dirty="0">
-                <a:solidFill>
-                  <a:srgbClr val="000066"/>
-                </a:solidFill>
-                <a:latin typeface="Microsoft JhengHei" panose="020B0604030504040204" pitchFamily="34" charset="-120"/>
-                <a:ea typeface="Microsoft JhengHei" panose="020B0604030504040204" pitchFamily="34" charset="-120"/>
-              </a:rPr>
-              <a:t>賤  看</a:t>
-            </a:r>
-            <a:r>
-              <a:rPr lang="zh-TW" altLang="en-US" sz="6400" b="1" dirty="0">
-                <a:solidFill>
-                  <a:srgbClr val="000066"/>
-                </a:solidFill>
-                <a:latin typeface="Microsoft JhengHei" panose="020B0604030504040204" pitchFamily="34" charset="-120"/>
-                <a:ea typeface="Microsoft JhengHei" panose="020B0604030504040204" pitchFamily="34" charset="-120"/>
-              </a:rPr>
-              <a:t>似卑</a:t>
-            </a:r>
-            <a:r>
-              <a:rPr lang="zh-TW" altLang="en-US" sz="6400" b="1" dirty="0">
-                <a:solidFill>
-                  <a:srgbClr val="000066"/>
-                </a:solidFill>
-                <a:latin typeface="Microsoft JhengHei" panose="020B0604030504040204" pitchFamily="34" charset="-120"/>
-                <a:ea typeface="Microsoft JhengHei" panose="020B0604030504040204" pitchFamily="34" charset="-120"/>
-              </a:rPr>
-              <a:t>微</a:t>
+              <a:t>看似貧賤  看似卑微</a:t>
             </a:r>
             <a:endParaRPr lang="en-US" altLang="zh-TW" sz="6400" b="1" dirty="0">
               <a:solidFill>
@@ -4974,17 +4356,7 @@
                 <a:latin typeface="Microsoft JhengHei" panose="020B0604030504040204" pitchFamily="34" charset="-120"/>
                 <a:ea typeface="Microsoft JhengHei" panose="020B0604030504040204" pitchFamily="34" charset="-120"/>
               </a:rPr>
-              <a:t>萬</a:t>
-            </a:r>
-            <a:r>
-              <a:rPr lang="zh-TW" altLang="en-US" sz="6400" b="1" dirty="0">
-                <a:solidFill>
-                  <a:srgbClr val="000066"/>
-                </a:solidFill>
-                <a:latin typeface="Microsoft JhengHei" panose="020B0604030504040204" pitchFamily="34" charset="-120"/>
-                <a:ea typeface="Microsoft JhengHei" panose="020B0604030504040204" pitchFamily="34" charset="-120"/>
-              </a:rPr>
-              <a:t>有主當受敬畏 </a:t>
+              <a:t>萬有主當受敬畏 </a:t>
             </a:r>
             <a:endParaRPr lang="en-US" altLang="zh-TW" sz="6400" b="1" dirty="0">
               <a:solidFill>
@@ -5156,27 +4528,7 @@
                 <a:latin typeface="Microsoft JhengHei" panose="020B0604030504040204" pitchFamily="34" charset="-120"/>
                 <a:ea typeface="Microsoft JhengHei" panose="020B0604030504040204" pitchFamily="34" charset="-120"/>
               </a:rPr>
-              <a:t>來   來   屈</a:t>
-            </a:r>
-            <a:r>
-              <a:rPr lang="zh-TW" altLang="en-US" sz="6400" b="1" dirty="0">
-                <a:solidFill>
-                  <a:srgbClr val="000066"/>
-                </a:solidFill>
-                <a:latin typeface="Microsoft JhengHei" panose="020B0604030504040204" pitchFamily="34" charset="-120"/>
-                <a:ea typeface="Microsoft JhengHei" panose="020B0604030504040204" pitchFamily="34" charset="-120"/>
-              </a:rPr>
-              <a:t>膝敬</a:t>
-            </a:r>
-            <a:r>
-              <a:rPr lang="zh-TW" altLang="en-US" sz="6400" b="1" dirty="0">
-                <a:solidFill>
-                  <a:srgbClr val="000066"/>
-                </a:solidFill>
-                <a:latin typeface="Microsoft JhengHei" panose="020B0604030504040204" pitchFamily="34" charset="-120"/>
-                <a:ea typeface="Microsoft JhengHei" panose="020B0604030504040204" pitchFamily="34" charset="-120"/>
-              </a:rPr>
-              <a:t>拜</a:t>
+              <a:t>來   來   屈膝敬拜</a:t>
             </a:r>
             <a:endParaRPr lang="en-US" altLang="zh-TW" sz="6400" b="1" dirty="0">
               <a:solidFill>
@@ -5198,17 +4550,7 @@
                 <a:latin typeface="Microsoft JhengHei" panose="020B0604030504040204" pitchFamily="34" charset="-120"/>
                 <a:ea typeface="Microsoft JhengHei" panose="020B0604030504040204" pitchFamily="34" charset="-120"/>
               </a:rPr>
-              <a:t>至</a:t>
-            </a:r>
-            <a:r>
-              <a:rPr lang="zh-TW" altLang="en-US" sz="6400" b="1" dirty="0">
-                <a:solidFill>
-                  <a:srgbClr val="000066"/>
-                </a:solidFill>
-                <a:latin typeface="Microsoft JhengHei" panose="020B0604030504040204" pitchFamily="34" charset="-120"/>
-                <a:ea typeface="Microsoft JhengHei" panose="020B0604030504040204" pitchFamily="34" charset="-120"/>
-              </a:rPr>
-              <a:t>聖嬰孩新生王</a:t>
+              <a:t>至聖嬰孩新生王</a:t>
             </a:r>
             <a:endParaRPr lang="en-US" altLang="zh-TW" sz="6400" b="1" dirty="0">
               <a:solidFill>
